--- a/Report/Final-PPT-26thJuly.pptx
+++ b/Report/Final-PPT-26thJuly.pptx
@@ -42,29 +42,29 @@
   <p:notesSz cx="6858000" cy="9144000"/>
   <p:embeddedFontLst>
     <p:embeddedFont>
-      <p:font typeface="Roboto" panose="020B0604020202020204" charset="0"/>
+      <p:font typeface="Old Standard TT" panose="020B0604020202020204" charset="0"/>
       <p:regular r:id="rId32"/>
       <p:bold r:id="rId33"/>
       <p:italic r:id="rId34"/>
-      <p:boldItalic r:id="rId35"/>
+    </p:embeddedFont>
+    <p:embeddedFont>
+      <p:font typeface="Roboto" panose="020B0604020202020204" charset="0"/>
+      <p:regular r:id="rId35"/>
+      <p:bold r:id="rId36"/>
+      <p:italic r:id="rId37"/>
+      <p:boldItalic r:id="rId38"/>
     </p:embeddedFont>
     <p:embeddedFont>
       <p:font typeface="Calibri Light" panose="020F0302020204030204" pitchFamily="34" charset="0"/>
-      <p:regular r:id="rId36"/>
-      <p:italic r:id="rId37"/>
+      <p:regular r:id="rId39"/>
+      <p:italic r:id="rId40"/>
     </p:embeddedFont>
     <p:embeddedFont>
       <p:font typeface="Calibri" panose="020F0502020204030204" pitchFamily="34" charset="0"/>
-      <p:regular r:id="rId38"/>
-      <p:bold r:id="rId39"/>
-      <p:italic r:id="rId40"/>
-      <p:boldItalic r:id="rId41"/>
-    </p:embeddedFont>
-    <p:embeddedFont>
-      <p:font typeface="Old Standard TT" panose="020B0604020202020204" charset="0"/>
-      <p:regular r:id="rId42"/>
-      <p:bold r:id="rId43"/>
-      <p:italic r:id="rId44"/>
+      <p:regular r:id="rId41"/>
+      <p:bold r:id="rId42"/>
+      <p:italic r:id="rId43"/>
+      <p:boldItalic r:id="rId44"/>
     </p:embeddedFont>
   </p:embeddedFontLst>
   <p:defaultTextStyle>
@@ -714,7 +714,7 @@
               </a:spcAft>
               <a:buNone/>
             </a:pPr>
-            <a:endParaRPr/>
+            <a:endParaRPr dirty="0"/>
           </a:p>
         </p:txBody>
       </p:sp>
@@ -818,7 +818,7 @@
               </a:spcAft>
               <a:buNone/>
             </a:pPr>
-            <a:endParaRPr/>
+            <a:endParaRPr dirty="0"/>
           </a:p>
         </p:txBody>
       </p:sp>
@@ -922,7 +922,7 @@
               </a:spcAft>
               <a:buNone/>
             </a:pPr>
-            <a:endParaRPr/>
+            <a:endParaRPr dirty="0"/>
           </a:p>
         </p:txBody>
       </p:sp>
@@ -1026,7 +1026,7 @@
               </a:spcAft>
               <a:buNone/>
             </a:pPr>
-            <a:endParaRPr/>
+            <a:endParaRPr dirty="0"/>
           </a:p>
         </p:txBody>
       </p:sp>
@@ -1135,7 +1135,7 @@
               </a:spcAft>
               <a:buNone/>
             </a:pPr>
-            <a:endParaRPr/>
+            <a:endParaRPr dirty="0"/>
           </a:p>
         </p:txBody>
       </p:sp>
@@ -1310,7 +1310,7 @@
               </a:spcAft>
               <a:buNone/>
             </a:pPr>
-            <a:endParaRPr/>
+            <a:endParaRPr dirty="0"/>
           </a:p>
         </p:txBody>
       </p:sp>
@@ -1419,7 +1419,7 @@
               </a:spcAft>
               <a:buNone/>
             </a:pPr>
-            <a:endParaRPr/>
+            <a:endParaRPr dirty="0"/>
           </a:p>
         </p:txBody>
       </p:sp>
@@ -2552,7 +2552,7 @@
               <a:rPr lang="en"/>
               <a:t>‹#›</a:t>
             </a:fld>
-            <a:endParaRPr/>
+            <a:endParaRPr dirty="0"/>
           </a:p>
         </p:txBody>
       </p:sp>
@@ -4670,7 +4670,7 @@
           </a:lstStyle>
           <a:p>
             <a:r>
-              <a:rPr lang="en-US" smtClean="0"/>
+              <a:rPr lang="en-US" dirty="0" smtClean="0"/>
               <a:t>Click icon to add picture</a:t>
             </a:r>
             <a:endParaRPr lang="en-US" dirty="0"/>
@@ -6259,16 +6259,7 @@
                 <a:cs typeface="Times New Roman"/>
                 <a:sym typeface="Times New Roman"/>
               </a:rPr>
-              <a:t>Information</a:t>
-            </a:r>
-            <a:r>
-              <a:rPr lang="en" sz="1400" dirty="0" smtClean="0">
-                <a:latin typeface="Times New Roman"/>
-                <a:ea typeface="Times New Roman"/>
-                <a:cs typeface="Times New Roman"/>
-                <a:sym typeface="Times New Roman"/>
-              </a:rPr>
-              <a:t>.</a:t>
+              <a:t>Information.</a:t>
             </a:r>
           </a:p>
           <a:p>
@@ -7479,14 +7470,7 @@
                 <a:latin typeface="Times New Roman" panose="02020603050405020304" pitchFamily="18" charset="0"/>
                 <a:cs typeface="Times New Roman" panose="02020603050405020304" pitchFamily="18" charset="0"/>
               </a:rPr>
-              <a:t>generated </a:t>
-            </a:r>
-            <a:r>
-              <a:rPr lang="en-IN" sz="1400" dirty="0">
-                <a:latin typeface="Times New Roman" panose="02020603050405020304" pitchFamily="18" charset="0"/>
-                <a:cs typeface="Times New Roman" panose="02020603050405020304" pitchFamily="18" charset="0"/>
-              </a:rPr>
-              <a:t>at the same time </a:t>
+              <a:t>generated at the same time </a:t>
             </a:r>
             <a:r>
               <a:rPr lang="en-IN" sz="1400" dirty="0" smtClean="0">
@@ -8473,61 +8457,7 @@
                 <a:cs typeface="Times New Roman"/>
                 <a:sym typeface="Times New Roman"/>
               </a:rPr>
-              <a:t>The tool is built using Python and relies on several libraries for different functionalities, such as PyPDF2 and </a:t>
-            </a:r>
-            <a:r>
-              <a:rPr lang="en-IN" sz="1600" dirty="0" err="1">
-                <a:latin typeface="Times New Roman"/>
-                <a:ea typeface="Times New Roman"/>
-                <a:cs typeface="Times New Roman"/>
-                <a:sym typeface="Times New Roman"/>
-              </a:rPr>
-              <a:t>fitz</a:t>
-            </a:r>
-            <a:r>
-              <a:rPr lang="en-IN" sz="1600" dirty="0">
-                <a:latin typeface="Times New Roman"/>
-                <a:ea typeface="Times New Roman"/>
-                <a:cs typeface="Times New Roman"/>
-                <a:sym typeface="Times New Roman"/>
-              </a:rPr>
-              <a:t> for PDF processing, docx2txt and </a:t>
-            </a:r>
-            <a:r>
-              <a:rPr lang="en-IN" sz="1600" dirty="0" err="1">
-                <a:latin typeface="Times New Roman"/>
-                <a:ea typeface="Times New Roman"/>
-                <a:cs typeface="Times New Roman"/>
-                <a:sym typeface="Times New Roman"/>
-              </a:rPr>
-              <a:t>docx</a:t>
-            </a:r>
-            <a:r>
-              <a:rPr lang="en-IN" sz="1600" dirty="0">
-                <a:latin typeface="Times New Roman"/>
-                <a:ea typeface="Times New Roman"/>
-                <a:cs typeface="Times New Roman"/>
-                <a:sym typeface="Times New Roman"/>
-              </a:rPr>
-              <a:t> for Word document processing, tabula and pandas for table extraction, and </a:t>
-            </a:r>
-            <a:r>
-              <a:rPr lang="en-IN" sz="1600" dirty="0" err="1">
-                <a:latin typeface="Times New Roman"/>
-                <a:ea typeface="Times New Roman"/>
-                <a:cs typeface="Times New Roman"/>
-                <a:sym typeface="Times New Roman"/>
-              </a:rPr>
-              <a:t>OpenPyXL</a:t>
-            </a:r>
-            <a:r>
-              <a:rPr lang="en-IN" sz="1600" dirty="0">
-                <a:latin typeface="Times New Roman"/>
-                <a:ea typeface="Times New Roman"/>
-                <a:cs typeface="Times New Roman"/>
-                <a:sym typeface="Times New Roman"/>
-              </a:rPr>
-              <a:t> for Excel manipulation.</a:t>
+              <a:t>The tool is built using Python and relies on several libraries for different functionalities, such as PyPDF2 and fitz for PDF processing, docx2txt and docx for Word document processing, tabula and pandas for table extraction, and OpenPyXL for Excel manipulation.</a:t>
             </a:r>
           </a:p>
         </p:txBody>
@@ -10374,7 +10304,7 @@
         <p:spPr>
           <a:xfrm>
             <a:off x="225287" y="1027043"/>
-            <a:ext cx="8494643" cy="830997"/>
+            <a:ext cx="8494643" cy="1323439"/>
           </a:xfrm>
           <a:prstGeom prst="rect">
             <a:avLst/>
@@ -10396,8 +10326,21 @@
                 <a:latin typeface="Times New Roman" panose="02020603050405020304" pitchFamily="18" charset="0"/>
                 <a:cs typeface="Times New Roman" panose="02020603050405020304" pitchFamily="18" charset="0"/>
               </a:rPr>
-              <a:t>Extraction of coordinates from graph images. Specifically from scatter plots and line plots.</a:t>
-            </a:r>
+              <a:t>Extraction of coordinates from graph images. Specifically from scatter plots and line plots</a:t>
+            </a:r>
+            <a:r>
+              <a:rPr lang="en-US" sz="1600" dirty="0" smtClean="0">
+                <a:latin typeface="Times New Roman" panose="02020603050405020304" pitchFamily="18" charset="0"/>
+                <a:cs typeface="Times New Roman" panose="02020603050405020304" pitchFamily="18" charset="0"/>
+              </a:rPr>
+              <a:t>.</a:t>
+            </a:r>
+          </a:p>
+          <a:p>
+            <a:endParaRPr lang="en-US" sz="1600" dirty="0" smtClean="0">
+              <a:latin typeface="Times New Roman" panose="02020603050405020304" pitchFamily="18" charset="0"/>
+              <a:cs typeface="Times New Roman" panose="02020603050405020304" pitchFamily="18" charset="0"/>
+            </a:endParaRPr>
           </a:p>
           <a:p>
             <a:pPr marL="285750" indent="-285750">
@@ -10409,22 +10352,21 @@
                 <a:latin typeface="Times New Roman" panose="02020603050405020304" pitchFamily="18" charset="0"/>
                 <a:cs typeface="Times New Roman" panose="02020603050405020304" pitchFamily="18" charset="0"/>
               </a:rPr>
-              <a:t>Usage of deep learning techniques instead of </a:t>
-            </a:r>
-            <a:r>
-              <a:rPr lang="en-US" sz="1600" dirty="0" err="1" smtClean="0">
-                <a:latin typeface="Times New Roman" panose="02020603050405020304" pitchFamily="18" charset="0"/>
-                <a:cs typeface="Times New Roman" panose="02020603050405020304" pitchFamily="18" charset="0"/>
-              </a:rPr>
-              <a:t>easyocr</a:t>
+              <a:t>Usage of deep learning techniques instead of easyocr library in </a:t>
             </a:r>
             <a:r>
               <a:rPr lang="en-US" sz="1600" dirty="0" smtClean="0">
                 <a:latin typeface="Times New Roman" panose="02020603050405020304" pitchFamily="18" charset="0"/>
                 <a:cs typeface="Times New Roman" panose="02020603050405020304" pitchFamily="18" charset="0"/>
               </a:rPr>
-              <a:t> library in python</a:t>
-            </a:r>
+              <a:t>python.</a:t>
+            </a:r>
+          </a:p>
+          <a:p>
+            <a:endParaRPr lang="en-US" sz="1600" dirty="0" smtClean="0">
+              <a:latin typeface="Times New Roman" panose="02020603050405020304" pitchFamily="18" charset="0"/>
+              <a:cs typeface="Times New Roman" panose="02020603050405020304" pitchFamily="18" charset="0"/>
+            </a:endParaRPr>
           </a:p>
           <a:p>
             <a:pPr marL="285750" indent="-285750">
